--- a/修論/本文/figure/fig_1_1_lattice_constance.pptx
+++ b/修論/本文/figure/fig_1_1_lattice_constance.pptx
@@ -197,7 +197,7 @@
           <a:p>
             <a:fld id="{89EB5C82-AEC6-4FE6-8043-B4F61A8A44F1}" type="datetimeFigureOut">
               <a:rPr kumimoji="1" lang="ja-JP" altLang="en-US" smtClean="0"/>
-              <a:t>2018/12/20</a:t>
+              <a:t>2019/1/3</a:t>
             </a:fld>
             <a:endParaRPr kumimoji="1" lang="ja-JP" altLang="en-US"/>
           </a:p>
@@ -625,7 +625,7 @@
           <a:p>
             <a:fld id="{1A07417B-165A-4DCF-9553-23C07ABDE8BF}" type="datetime1">
               <a:rPr kumimoji="1" lang="ja-JP" altLang="en-US" smtClean="0"/>
-              <a:t>2018/12/20</a:t>
+              <a:t>2019/1/3</a:t>
             </a:fld>
             <a:endParaRPr kumimoji="1" lang="ja-JP" altLang="en-US"/>
           </a:p>
@@ -825,7 +825,7 @@
           <a:p>
             <a:fld id="{5F49FB31-C5C7-4B82-9E07-4EEBA70644B5}" type="datetime1">
               <a:rPr kumimoji="1" lang="ja-JP" altLang="en-US" smtClean="0"/>
-              <a:t>2018/12/20</a:t>
+              <a:t>2019/1/3</a:t>
             </a:fld>
             <a:endParaRPr kumimoji="1" lang="ja-JP" altLang="en-US"/>
           </a:p>
@@ -1035,7 +1035,7 @@
           <a:p>
             <a:fld id="{8889D364-F9EE-4DF6-A2F2-A4C419A4C37F}" type="datetime1">
               <a:rPr kumimoji="1" lang="ja-JP" altLang="en-US" smtClean="0"/>
-              <a:t>2018/12/20</a:t>
+              <a:t>2019/1/3</a:t>
             </a:fld>
             <a:endParaRPr kumimoji="1" lang="ja-JP" altLang="en-US"/>
           </a:p>
@@ -1245,7 +1245,7 @@
           <a:p>
             <a:fld id="{A1231B2E-EC4D-405E-BD66-51B1FB74ADC5}" type="datetime1">
               <a:rPr kumimoji="1" lang="ja-JP" altLang="en-US" smtClean="0"/>
-              <a:t>2018/12/20</a:t>
+              <a:t>2019/1/3</a:t>
             </a:fld>
             <a:endParaRPr kumimoji="1" lang="ja-JP" altLang="en-US"/>
           </a:p>
@@ -1490,7 +1490,7 @@
           <a:p>
             <a:fld id="{2C8BC571-661A-4B57-BB04-1AEC8E64FC37}" type="datetime1">
               <a:rPr kumimoji="1" lang="ja-JP" altLang="en-US" smtClean="0"/>
-              <a:t>2018/12/20</a:t>
+              <a:t>2019/1/3</a:t>
             </a:fld>
             <a:endParaRPr kumimoji="1" lang="ja-JP" altLang="en-US"/>
           </a:p>
@@ -1784,7 +1784,7 @@
           <a:p>
             <a:fld id="{284E353B-4A11-4114-BE3E-7E98B266C08A}" type="datetime1">
               <a:rPr kumimoji="1" lang="ja-JP" altLang="en-US" smtClean="0"/>
-              <a:t>2018/12/20</a:t>
+              <a:t>2019/1/3</a:t>
             </a:fld>
             <a:endParaRPr kumimoji="1" lang="ja-JP" altLang="en-US"/>
           </a:p>
@@ -2212,7 +2212,7 @@
           <a:p>
             <a:fld id="{808964D2-E5C1-41F8-8E37-7B0EBA472178}" type="datetime1">
               <a:rPr kumimoji="1" lang="ja-JP" altLang="en-US" smtClean="0"/>
-              <a:t>2018/12/20</a:t>
+              <a:t>2019/1/3</a:t>
             </a:fld>
             <a:endParaRPr kumimoji="1" lang="ja-JP" altLang="en-US"/>
           </a:p>
@@ -2329,7 +2329,7 @@
           <a:p>
             <a:fld id="{4B875656-4F4D-4F02-97D2-FC9F0E4F8368}" type="datetime1">
               <a:rPr kumimoji="1" lang="ja-JP" altLang="en-US" smtClean="0"/>
-              <a:t>2018/12/20</a:t>
+              <a:t>2019/1/3</a:t>
             </a:fld>
             <a:endParaRPr kumimoji="1" lang="ja-JP" altLang="en-US"/>
           </a:p>
@@ -2424,7 +2424,7 @@
           <a:p>
             <a:fld id="{70D4612A-A498-4280-8EC8-C137A91BA00E}" type="datetime1">
               <a:rPr kumimoji="1" lang="ja-JP" altLang="en-US" smtClean="0"/>
-              <a:t>2018/12/20</a:t>
+              <a:t>2019/1/3</a:t>
             </a:fld>
             <a:endParaRPr kumimoji="1" lang="ja-JP" altLang="en-US"/>
           </a:p>
@@ -2731,7 +2731,7 @@
           <a:p>
             <a:fld id="{7E544A3A-F8B4-46B6-A7F4-BA104F47089F}" type="datetime1">
               <a:rPr kumimoji="1" lang="ja-JP" altLang="en-US" smtClean="0"/>
-              <a:t>2018/12/20</a:t>
+              <a:t>2019/1/3</a:t>
             </a:fld>
             <a:endParaRPr kumimoji="1" lang="ja-JP" altLang="en-US"/>
           </a:p>
@@ -2986,7 +2986,7 @@
           <a:p>
             <a:fld id="{5C61A693-3EB2-40E5-944F-A15C15D15CE8}" type="datetime1">
               <a:rPr kumimoji="1" lang="ja-JP" altLang="en-US" smtClean="0"/>
-              <a:t>2018/12/20</a:t>
+              <a:t>2019/1/3</a:t>
             </a:fld>
             <a:endParaRPr kumimoji="1" lang="ja-JP" altLang="en-US"/>
           </a:p>
@@ -3229,7 +3229,7 @@
           <a:p>
             <a:fld id="{54F798B4-40B9-4467-83D0-F475F97608DD}" type="datetime1">
               <a:rPr kumimoji="1" lang="ja-JP" altLang="en-US" smtClean="0"/>
-              <a:t>2018/12/20</a:t>
+              <a:t>2019/1/3</a:t>
             </a:fld>
             <a:endParaRPr kumimoji="1" lang="ja-JP" altLang="en-US"/>
           </a:p>
@@ -3666,10 +3666,10 @@
       </p:sp>
       <p:pic>
         <p:nvPicPr>
-          <p:cNvPr id="5" name="図 4">
+          <p:cNvPr id="2" name="図 1">
             <a:extLst>
               <a:ext uri="{FF2B5EF4-FFF2-40B4-BE49-F238E27FC236}">
-                <a16:creationId xmlns:a16="http://schemas.microsoft.com/office/drawing/2014/main" id="{CE8BF033-1F89-4BF7-800C-7075B4A0E622}"/>
+                <a16:creationId xmlns:a16="http://schemas.microsoft.com/office/drawing/2014/main" id="{BDBB2407-C104-4DEC-81A2-C306E82752E2}"/>
               </a:ext>
             </a:extLst>
           </p:cNvPr>
@@ -3680,13 +3680,13 @@
         </p:nvPicPr>
         <p:blipFill rotWithShape="1">
           <a:blip r:embed="rId2"/>
-          <a:srcRect r="47368" b="47115"/>
+          <a:srcRect l="43509" t="36141" r="36354" b="37753"/>
           <a:stretch/>
         </p:blipFill>
         <p:spPr>
           <a:xfrm>
-            <a:off x="2302042" y="1899987"/>
-            <a:ext cx="4812632" cy="2720139"/>
+            <a:off x="459491" y="439296"/>
+            <a:ext cx="6437009" cy="4694178"/>
           </a:xfrm>
           <a:prstGeom prst="rect">
             <a:avLst/>
